--- a/Damn fast wheels.pptx
+++ b/Damn fast wheels.pptx
@@ -5,24 +5,25 @@
     <p:sldMasterId id="2147483648" r:id="rId1"/>
   </p:sldMasterIdLst>
   <p:notesMasterIdLst>
-    <p:notesMasterId r:id="rId14"/>
+    <p:notesMasterId r:id="rId15"/>
   </p:notesMasterIdLst>
   <p:handoutMasterIdLst>
-    <p:handoutMasterId r:id="rId15"/>
+    <p:handoutMasterId r:id="rId16"/>
   </p:handoutMasterIdLst>
   <p:sldIdLst>
     <p:sldId id="256" r:id="rId2"/>
-    <p:sldId id="257" r:id="rId3"/>
+    <p:sldId id="268" r:id="rId3"/>
     <p:sldId id="258" r:id="rId4"/>
-    <p:sldId id="266" r:id="rId5"/>
-    <p:sldId id="260" r:id="rId6"/>
-    <p:sldId id="261" r:id="rId7"/>
-    <p:sldId id="262" r:id="rId8"/>
-    <p:sldId id="259" r:id="rId9"/>
-    <p:sldId id="267" r:id="rId10"/>
-    <p:sldId id="264" r:id="rId11"/>
-    <p:sldId id="265" r:id="rId12"/>
-    <p:sldId id="263" r:id="rId13"/>
+    <p:sldId id="269" r:id="rId5"/>
+    <p:sldId id="266" r:id="rId6"/>
+    <p:sldId id="260" r:id="rId7"/>
+    <p:sldId id="261" r:id="rId8"/>
+    <p:sldId id="262" r:id="rId9"/>
+    <p:sldId id="259" r:id="rId10"/>
+    <p:sldId id="267" r:id="rId11"/>
+    <p:sldId id="264" r:id="rId12"/>
+    <p:sldId id="265" r:id="rId13"/>
+    <p:sldId id="263" r:id="rId14"/>
   </p:sldIdLst>
   <p:sldSz cx="12192000" cy="6858000"/>
   <p:notesSz cx="6858000" cy="9144000"/>
@@ -223,7 +224,7 @@
           <a:p>
             <a:fld id="{7495CC33-D2CE-425A-B321-971D77074E46}" type="datetimeFigureOut">
               <a:rPr lang="en-DK" smtClean="0"/>
-              <a:t>01/10/2019</a:t>
+              <a:t>02/10/2019</a:t>
             </a:fld>
             <a:endParaRPr lang="en-DK"/>
           </a:p>
@@ -401,7 +402,7 @@
           <a:p>
             <a:fld id="{AAA75A45-0079-4372-926D-28F9275A75CB}" type="datetimeFigureOut">
               <a:rPr lang="en-DK" smtClean="0"/>
-              <a:t>01/10/2019</a:t>
+              <a:t>02/10/2019</a:t>
             </a:fld>
             <a:endParaRPr lang="en-DK"/>
           </a:p>
@@ -819,7 +820,7 @@
           <a:p>
             <a:fld id="{6C0D3B1A-4BE6-4186-885B-B84C928A8F35}" type="datetime8">
               <a:rPr lang="en-DK" smtClean="0"/>
-              <a:t>01/10/2019 01.39</a:t>
+              <a:t>02/10/2019 23.58</a:t>
             </a:fld>
             <a:endParaRPr lang="en-DK"/>
           </a:p>
@@ -1019,7 +1020,7 @@
           <a:p>
             <a:fld id="{F7F574FD-DBA0-4A31-9669-D5E7712A05E6}" type="datetime8">
               <a:rPr lang="en-DK" smtClean="0"/>
-              <a:t>01/10/2019 01.39</a:t>
+              <a:t>02/10/2019 23.58</a:t>
             </a:fld>
             <a:endParaRPr lang="en-DK"/>
           </a:p>
@@ -1229,7 +1230,7 @@
           <a:p>
             <a:fld id="{D8542118-18BA-4471-B088-2031E67F8416}" type="datetime8">
               <a:rPr lang="en-DK" smtClean="0"/>
-              <a:t>01/10/2019 01.39</a:t>
+              <a:t>02/10/2019 23.58</a:t>
             </a:fld>
             <a:endParaRPr lang="en-DK"/>
           </a:p>
@@ -1429,7 +1430,7 @@
           <a:p>
             <a:fld id="{78D87C27-D9A0-42E6-A6A3-03B6572A1DB8}" type="datetime8">
               <a:rPr lang="en-DK" smtClean="0"/>
-              <a:t>01/10/2019 01.39</a:t>
+              <a:t>02/10/2019 23.58</a:t>
             </a:fld>
             <a:endParaRPr lang="en-DK"/>
           </a:p>
@@ -1705,7 +1706,7 @@
           <a:p>
             <a:fld id="{C5486EDC-9319-491C-86E1-40E482239D74}" type="datetime8">
               <a:rPr lang="en-DK" smtClean="0"/>
-              <a:t>01/10/2019 01.39</a:t>
+              <a:t>02/10/2019 23.58</a:t>
             </a:fld>
             <a:endParaRPr lang="en-DK"/>
           </a:p>
@@ -1973,7 +1974,7 @@
           <a:p>
             <a:fld id="{15145D8C-C649-45C7-B235-C9F14C866B75}" type="datetime8">
               <a:rPr lang="en-DK" smtClean="0"/>
-              <a:t>01/10/2019 01.39</a:t>
+              <a:t>02/10/2019 23.58</a:t>
             </a:fld>
             <a:endParaRPr lang="en-DK"/>
           </a:p>
@@ -2388,7 +2389,7 @@
           <a:p>
             <a:fld id="{DD9BCB5A-F1AF-4896-8C26-1658D438CC1F}" type="datetime8">
               <a:rPr lang="en-DK" smtClean="0"/>
-              <a:t>01/10/2019 01.39</a:t>
+              <a:t>02/10/2019 23.58</a:t>
             </a:fld>
             <a:endParaRPr lang="en-DK"/>
           </a:p>
@@ -2530,7 +2531,7 @@
           <a:p>
             <a:fld id="{BB3AFB86-1E35-4FFB-A59C-82785593A776}" type="datetime8">
               <a:rPr lang="en-DK" smtClean="0"/>
-              <a:t>01/10/2019 01.39</a:t>
+              <a:t>02/10/2019 23.58</a:t>
             </a:fld>
             <a:endParaRPr lang="en-DK"/>
           </a:p>
@@ -2643,7 +2644,7 @@
           <a:p>
             <a:fld id="{8A32B2CF-4821-4FFF-977D-C66A014A37E1}" type="datetime8">
               <a:rPr lang="en-DK" smtClean="0"/>
-              <a:t>01/10/2019 01.39</a:t>
+              <a:t>02/10/2019 23.58</a:t>
             </a:fld>
             <a:endParaRPr lang="en-DK"/>
           </a:p>
@@ -2956,7 +2957,7 @@
           <a:p>
             <a:fld id="{F448A99C-E357-45AE-AB3F-A6EAECB287C8}" type="datetime8">
               <a:rPr lang="en-DK" smtClean="0"/>
-              <a:t>01/10/2019 01.39</a:t>
+              <a:t>02/10/2019 23.58</a:t>
             </a:fld>
             <a:endParaRPr lang="en-DK"/>
           </a:p>
@@ -3245,7 +3246,7 @@
           <a:p>
             <a:fld id="{5945B0A4-9AB1-49A8-B0FF-6900CFA59FB3}" type="datetime8">
               <a:rPr lang="en-DK" smtClean="0"/>
-              <a:t>01/10/2019 01.39</a:t>
+              <a:t>02/10/2019 23.58</a:t>
             </a:fld>
             <a:endParaRPr lang="en-DK"/>
           </a:p>
@@ -3488,7 +3489,7 @@
           <a:p>
             <a:fld id="{82195989-5652-4E55-AC05-073D4679540E}" type="datetime8">
               <a:rPr lang="en-DK" smtClean="0"/>
-              <a:t>01/10/2019 01.39</a:t>
+              <a:t>02/10/2019 23.58</a:t>
             </a:fld>
             <a:endParaRPr lang="en-DK"/>
           </a:p>
@@ -4034,7 +4035,7 @@
           <p:cNvPr id="2" name="Title 1">
             <a:extLst>
               <a:ext uri="{FF2B5EF4-FFF2-40B4-BE49-F238E27FC236}">
-                <a16:creationId xmlns:a16="http://schemas.microsoft.com/office/drawing/2014/main" id="{1A5A3958-7FA3-4D22-9A62-944EB4FCC94A}"/>
+                <a16:creationId xmlns:a16="http://schemas.microsoft.com/office/drawing/2014/main" id="{378C8BE0-6417-4D92-A515-F09C36CFAB90}"/>
               </a:ext>
             </a:extLst>
           </p:cNvPr>
@@ -4051,46 +4052,208 @@
           <a:lstStyle/>
           <a:p>
             <a:r>
+              <a:rPr lang="da-DK" dirty="0"/>
+              <a:t>Beltpool / Belt</a:t>
+            </a:r>
+            <a:endParaRPr lang="en-DK" dirty="0"/>
+          </a:p>
+        </p:txBody>
+      </p:sp>
+      <p:sp>
+        <p:nvSpPr>
+          <p:cNvPr id="3" name="Content Placeholder 2">
+            <a:extLst>
+              <a:ext uri="{FF2B5EF4-FFF2-40B4-BE49-F238E27FC236}">
+                <a16:creationId xmlns:a16="http://schemas.microsoft.com/office/drawing/2014/main" id="{E6160C62-DAF4-468B-B1D4-97A77301D4E1}"/>
+              </a:ext>
+            </a:extLst>
+          </p:cNvPr>
+          <p:cNvSpPr>
+            <a:spLocks noGrp="1"/>
+          </p:cNvSpPr>
+          <p:nvPr>
+            <p:ph idx="1"/>
+          </p:nvPr>
+        </p:nvSpPr>
+        <p:spPr>
+          <a:xfrm>
+            <a:off x="838200" y="1825625"/>
+            <a:ext cx="10515600" cy="982889"/>
+          </a:xfrm>
+        </p:spPr>
+        <p:txBody>
+          <a:bodyPr>
+            <a:normAutofit lnSpcReduction="10000"/>
+          </a:bodyPr>
+          <a:lstStyle/>
+          <a:p>
+            <a:r>
+              <a:rPr lang="da-DK" dirty="0"/>
+              <a:t>Vi bruger interfacet </a:t>
+            </a:r>
+            <a:r>
               <a:rPr lang="da-DK" dirty="0" err="1"/>
-              <a:t>Oliver’s</a:t>
+              <a:t>ThreadHandler</a:t>
             </a:r>
             <a:r>
               <a:rPr lang="da-DK" dirty="0"/>
-              <a:t> Pool implementering</a:t>
+              <a:t> til vores Beltpool.</a:t>
+            </a:r>
+          </a:p>
+          <a:p>
+            <a:r>
+              <a:rPr lang="da-DK" dirty="0"/>
+              <a:t>Vi bruger interfacet </a:t>
+            </a:r>
+            <a:r>
+              <a:rPr lang="da-DK" dirty="0" err="1"/>
+              <a:t>BeltInterface</a:t>
+            </a:r>
+            <a:r>
+              <a:rPr lang="da-DK" dirty="0"/>
+              <a:t> til vores Belt.</a:t>
             </a:r>
             <a:endParaRPr lang="en-DK" dirty="0"/>
           </a:p>
         </p:txBody>
       </p:sp>
-      <p:sp>
-        <p:nvSpPr>
-          <p:cNvPr id="3" name="Content Placeholder 2">
-            <a:extLst>
-              <a:ext uri="{FF2B5EF4-FFF2-40B4-BE49-F238E27FC236}">
-                <a16:creationId xmlns:a16="http://schemas.microsoft.com/office/drawing/2014/main" id="{5597F087-D99D-48A6-B5BB-5F078196ED68}"/>
-              </a:ext>
-            </a:extLst>
-          </p:cNvPr>
-          <p:cNvSpPr>
-            <a:spLocks noGrp="1"/>
-          </p:cNvSpPr>
-          <p:nvPr>
-            <p:ph idx="1"/>
-          </p:nvPr>
-        </p:nvSpPr>
-        <p:spPr/>
-        <p:txBody>
-          <a:bodyPr/>
-          <a:lstStyle/>
-          <a:p>
-            <a:endParaRPr lang="en-DK"/>
-          </a:p>
-        </p:txBody>
-      </p:sp>
+      <p:pic>
+        <p:nvPicPr>
+          <p:cNvPr id="5" name="Picture 4">
+            <a:extLst>
+              <a:ext uri="{FF2B5EF4-FFF2-40B4-BE49-F238E27FC236}">
+                <a16:creationId xmlns:a16="http://schemas.microsoft.com/office/drawing/2014/main" id="{54F69771-EAE1-4807-BDBF-3C385BBA8BE0}"/>
+              </a:ext>
+            </a:extLst>
+          </p:cNvPr>
+          <p:cNvPicPr>
+            <a:picLocks noChangeAspect="1"/>
+          </p:cNvPicPr>
+          <p:nvPr/>
+        </p:nvPicPr>
+        <p:blipFill>
+          <a:blip r:embed="rId2"/>
+          <a:stretch>
+            <a:fillRect/>
+          </a:stretch>
+        </p:blipFill>
+        <p:spPr>
+          <a:xfrm>
+            <a:off x="971453" y="2991724"/>
+            <a:ext cx="3400425" cy="1524000"/>
+          </a:xfrm>
+          <a:prstGeom prst="rect">
+            <a:avLst/>
+          </a:prstGeom>
+        </p:spPr>
+      </p:pic>
+      <p:pic>
+        <p:nvPicPr>
+          <p:cNvPr id="6" name="Picture 5">
+            <a:extLst>
+              <a:ext uri="{FF2B5EF4-FFF2-40B4-BE49-F238E27FC236}">
+                <a16:creationId xmlns:a16="http://schemas.microsoft.com/office/drawing/2014/main" id="{C75C2F9A-5E28-4852-BB80-9BEF866E2ABE}"/>
+              </a:ext>
+            </a:extLst>
+          </p:cNvPr>
+          <p:cNvPicPr>
+            <a:picLocks noChangeAspect="1"/>
+          </p:cNvPicPr>
+          <p:nvPr/>
+        </p:nvPicPr>
+        <p:blipFill>
+          <a:blip r:embed="rId3"/>
+          <a:stretch>
+            <a:fillRect/>
+          </a:stretch>
+        </p:blipFill>
+        <p:spPr>
+          <a:xfrm>
+            <a:off x="5879063" y="2991724"/>
+            <a:ext cx="2971800" cy="1857375"/>
+          </a:xfrm>
+          <a:prstGeom prst="rect">
+            <a:avLst/>
+          </a:prstGeom>
+        </p:spPr>
+      </p:pic>
+      <p:sp>
+        <p:nvSpPr>
+          <p:cNvPr id="7" name="TextBox 6">
+            <a:extLst>
+              <a:ext uri="{FF2B5EF4-FFF2-40B4-BE49-F238E27FC236}">
+                <a16:creationId xmlns:a16="http://schemas.microsoft.com/office/drawing/2014/main" id="{79E61C34-D406-446C-9BA3-D44287F42A91}"/>
+              </a:ext>
+            </a:extLst>
+          </p:cNvPr>
+          <p:cNvSpPr txBox="1"/>
+          <p:nvPr/>
+        </p:nvSpPr>
+        <p:spPr>
+          <a:xfrm>
+            <a:off x="971453" y="5041783"/>
+            <a:ext cx="7795788" cy="646331"/>
+          </a:xfrm>
+          <a:prstGeom prst="rect">
+            <a:avLst/>
+          </a:prstGeom>
+          <a:noFill/>
+        </p:spPr>
+        <p:txBody>
+          <a:bodyPr wrap="none" rtlCol="0">
+            <a:spAutoFit/>
+          </a:bodyPr>
+          <a:lstStyle/>
+          <a:p>
+            <a:r>
+              <a:rPr lang="da-DK" dirty="0"/>
+              <a:t>Vores bælter kan have forskellige tilstande, det er angivet ved at bruge </a:t>
+            </a:r>
+            <a:r>
+              <a:rPr lang="da-DK" dirty="0" err="1"/>
+              <a:t>BeltState</a:t>
+            </a:r>
+            <a:endParaRPr lang="en-DK" dirty="0"/>
+          </a:p>
+          <a:p>
+            <a:endParaRPr lang="en-DK" dirty="0"/>
+          </a:p>
+        </p:txBody>
+      </p:sp>
+      <p:pic>
+        <p:nvPicPr>
+          <p:cNvPr id="9" name="Picture 8">
+            <a:extLst>
+              <a:ext uri="{FF2B5EF4-FFF2-40B4-BE49-F238E27FC236}">
+                <a16:creationId xmlns:a16="http://schemas.microsoft.com/office/drawing/2014/main" id="{D20B7C5D-0329-4E05-ABE8-85CF0274C7E6}"/>
+              </a:ext>
+            </a:extLst>
+          </p:cNvPr>
+          <p:cNvPicPr>
+            <a:picLocks noChangeAspect="1"/>
+          </p:cNvPicPr>
+          <p:nvPr/>
+        </p:nvPicPr>
+        <p:blipFill>
+          <a:blip r:embed="rId4"/>
+          <a:stretch>
+            <a:fillRect/>
+          </a:stretch>
+        </p:blipFill>
+        <p:spPr>
+          <a:xfrm>
+            <a:off x="3354591" y="5688114"/>
+            <a:ext cx="3838575" cy="619125"/>
+          </a:xfrm>
+          <a:prstGeom prst="rect">
+            <a:avLst/>
+          </a:prstGeom>
+        </p:spPr>
+      </p:pic>
     </p:spTree>
     <p:extLst>
       <p:ext uri="{BB962C8B-B14F-4D97-AF65-F5344CB8AC3E}">
-        <p14:creationId xmlns:p14="http://schemas.microsoft.com/office/powerpoint/2010/main" val="791031726"/>
+        <p14:creationId xmlns:p14="http://schemas.microsoft.com/office/powerpoint/2010/main" val="4127225331"/>
       </p:ext>
     </p:extLst>
   </p:cSld>
@@ -4122,6 +4285,94 @@
           <p:cNvPr id="2" name="Title 1">
             <a:extLst>
               <a:ext uri="{FF2B5EF4-FFF2-40B4-BE49-F238E27FC236}">
+                <a16:creationId xmlns:a16="http://schemas.microsoft.com/office/drawing/2014/main" id="{1A5A3958-7FA3-4D22-9A62-944EB4FCC94A}"/>
+              </a:ext>
+            </a:extLst>
+          </p:cNvPr>
+          <p:cNvSpPr>
+            <a:spLocks noGrp="1"/>
+          </p:cNvSpPr>
+          <p:nvPr>
+            <p:ph type="title"/>
+          </p:nvPr>
+        </p:nvSpPr>
+        <p:spPr/>
+        <p:txBody>
+          <a:bodyPr/>
+          <a:lstStyle/>
+          <a:p>
+            <a:r>
+              <a:rPr lang="da-DK" dirty="0" err="1"/>
+              <a:t>Oliver’s</a:t>
+            </a:r>
+            <a:r>
+              <a:rPr lang="da-DK" dirty="0"/>
+              <a:t> Pool implementering</a:t>
+            </a:r>
+            <a:endParaRPr lang="en-DK" dirty="0"/>
+          </a:p>
+        </p:txBody>
+      </p:sp>
+      <p:sp>
+        <p:nvSpPr>
+          <p:cNvPr id="3" name="Content Placeholder 2">
+            <a:extLst>
+              <a:ext uri="{FF2B5EF4-FFF2-40B4-BE49-F238E27FC236}">
+                <a16:creationId xmlns:a16="http://schemas.microsoft.com/office/drawing/2014/main" id="{5597F087-D99D-48A6-B5BB-5F078196ED68}"/>
+              </a:ext>
+            </a:extLst>
+          </p:cNvPr>
+          <p:cNvSpPr>
+            <a:spLocks noGrp="1"/>
+          </p:cNvSpPr>
+          <p:nvPr>
+            <p:ph idx="1"/>
+          </p:nvPr>
+        </p:nvSpPr>
+        <p:spPr/>
+        <p:txBody>
+          <a:bodyPr/>
+          <a:lstStyle/>
+          <a:p>
+            <a:endParaRPr lang="en-DK"/>
+          </a:p>
+        </p:txBody>
+      </p:sp>
+    </p:spTree>
+    <p:extLst>
+      <p:ext uri="{BB962C8B-B14F-4D97-AF65-F5344CB8AC3E}">
+        <p14:creationId xmlns:p14="http://schemas.microsoft.com/office/powerpoint/2010/main" val="791031726"/>
+      </p:ext>
+    </p:extLst>
+  </p:cSld>
+  <p:clrMapOvr>
+    <a:masterClrMapping/>
+  </p:clrMapOvr>
+</p:sld>
+</file>
+
+<file path=ppt/slides/slide12.xml><?xml version="1.0" encoding="utf-8"?>
+<p:sld xmlns:a="http://schemas.openxmlformats.org/drawingml/2006/main" xmlns:r="http://schemas.openxmlformats.org/officeDocument/2006/relationships" xmlns:p="http://schemas.openxmlformats.org/presentationml/2006/main">
+  <p:cSld>
+    <p:spTree>
+      <p:nvGrpSpPr>
+        <p:cNvPr id="1" name=""/>
+        <p:cNvGrpSpPr/>
+        <p:nvPr/>
+      </p:nvGrpSpPr>
+      <p:grpSpPr>
+        <a:xfrm>
+          <a:off x="0" y="0"/>
+          <a:ext cx="0" cy="0"/>
+          <a:chOff x="0" y="0"/>
+          <a:chExt cx="0" cy="0"/>
+        </a:xfrm>
+      </p:grpSpPr>
+      <p:sp>
+        <p:nvSpPr>
+          <p:cNvPr id="2" name="Title 1">
+            <a:extLst>
+              <a:ext uri="{FF2B5EF4-FFF2-40B4-BE49-F238E27FC236}">
                 <a16:creationId xmlns:a16="http://schemas.microsoft.com/office/drawing/2014/main" id="{F7E8F0B1-C815-4391-85E9-517FEB9359AF}"/>
               </a:ext>
             </a:extLst>
@@ -4192,7 +4443,7 @@
 </p:sld>
 </file>
 
-<file path=ppt/slides/slide12.xml><?xml version="1.0" encoding="utf-8"?>
+<file path=ppt/slides/slide13.xml><?xml version="1.0" encoding="utf-8"?>
 <p:sld xmlns:a="http://schemas.openxmlformats.org/drawingml/2006/main" xmlns:r="http://schemas.openxmlformats.org/officeDocument/2006/relationships" xmlns:p="http://schemas.openxmlformats.org/presentationml/2006/main">
   <p:cSld>
     <p:spTree>
@@ -4489,7 +4740,7 @@
           <p:cNvPr id="2" name="Title 1">
             <a:extLst>
               <a:ext uri="{FF2B5EF4-FFF2-40B4-BE49-F238E27FC236}">
-                <a16:creationId xmlns:a16="http://schemas.microsoft.com/office/drawing/2014/main" id="{17D51C1B-4E20-409A-9872-785C8ED3AABA}"/>
+                <a16:creationId xmlns:a16="http://schemas.microsoft.com/office/drawing/2014/main" id="{C32F296A-8E63-4BA5-A9AC-6ED99F21D9FA}"/>
               </a:ext>
             </a:extLst>
           </p:cNvPr>
@@ -4507,390 +4758,46 @@
           <a:p>
             <a:r>
               <a:rPr lang="da-DK" dirty="0"/>
-              <a:t>MVC</a:t>
+              <a:t>Class diagram for MVC</a:t>
             </a:r>
             <a:endParaRPr lang="en-DK" dirty="0"/>
           </a:p>
         </p:txBody>
       </p:sp>
-      <p:sp>
-        <p:nvSpPr>
-          <p:cNvPr id="3" name="Content Placeholder 2">
-            <a:extLst>
-              <a:ext uri="{FF2B5EF4-FFF2-40B4-BE49-F238E27FC236}">
-                <a16:creationId xmlns:a16="http://schemas.microsoft.com/office/drawing/2014/main" id="{068A791B-4565-4015-B959-5FC6A5D92F2F}"/>
-              </a:ext>
-            </a:extLst>
-          </p:cNvPr>
-          <p:cNvSpPr>
-            <a:spLocks noGrp="1"/>
-          </p:cNvSpPr>
-          <p:nvPr>
-            <p:ph idx="1"/>
-          </p:nvPr>
-        </p:nvSpPr>
+      <p:pic>
+        <p:nvPicPr>
+          <p:cNvPr id="13" name="Picture 12">
+            <a:extLst>
+              <a:ext uri="{FF2B5EF4-FFF2-40B4-BE49-F238E27FC236}">
+                <a16:creationId xmlns:a16="http://schemas.microsoft.com/office/drawing/2014/main" id="{6A815307-08B6-406E-A776-44BA95424BF4}"/>
+              </a:ext>
+            </a:extLst>
+          </p:cNvPr>
+          <p:cNvPicPr>
+            <a:picLocks noChangeAspect="1"/>
+          </p:cNvPicPr>
+          <p:nvPr/>
+        </p:nvPicPr>
+        <p:blipFill>
+          <a:blip r:embed="rId2"/>
+          <a:stretch>
+            <a:fillRect/>
+          </a:stretch>
+        </p:blipFill>
         <p:spPr>
           <a:xfrm>
-            <a:off x="838200" y="1825625"/>
-            <a:ext cx="10515600" cy="556848"/>
-          </a:xfrm>
-        </p:spPr>
-        <p:txBody>
-          <a:bodyPr/>
-          <a:lstStyle/>
-          <a:p>
-            <a:r>
-              <a:rPr lang="da-DK" dirty="0"/>
-              <a:t>Vores MVC struktur er taget fra sidste opgave, det betyder at vi har</a:t>
-            </a:r>
-            <a:endParaRPr lang="en-DK" dirty="0"/>
-          </a:p>
-        </p:txBody>
-      </p:sp>
-      <p:sp>
-        <p:nvSpPr>
-          <p:cNvPr id="4" name="Rectangle 3">
-            <a:extLst>
-              <a:ext uri="{FF2B5EF4-FFF2-40B4-BE49-F238E27FC236}">
-                <a16:creationId xmlns:a16="http://schemas.microsoft.com/office/drawing/2014/main" id="{032B364C-1E17-4D9E-A792-36589E3A5C42}"/>
-              </a:ext>
-            </a:extLst>
-          </p:cNvPr>
-          <p:cNvSpPr/>
-          <p:nvPr/>
-        </p:nvSpPr>
-        <p:spPr>
-          <a:xfrm>
-            <a:off x="1518407" y="3429013"/>
-            <a:ext cx="1543575" cy="1151389"/>
+            <a:off x="0" y="1258043"/>
+            <a:ext cx="12192000" cy="5599957"/>
           </a:xfrm>
           <a:prstGeom prst="rect">
             <a:avLst/>
           </a:prstGeom>
         </p:spPr>
-        <p:style>
-          <a:lnRef idx="2">
-            <a:schemeClr val="accent1">
-              <a:shade val="50000"/>
-            </a:schemeClr>
-          </a:lnRef>
-          <a:fillRef idx="1">
-            <a:schemeClr val="accent1"/>
-          </a:fillRef>
-          <a:effectRef idx="0">
-            <a:schemeClr val="accent1"/>
-          </a:effectRef>
-          <a:fontRef idx="minor">
-            <a:schemeClr val="lt1"/>
-          </a:fontRef>
-        </p:style>
-        <p:txBody>
-          <a:bodyPr rtlCol="0" anchor="ctr"/>
-          <a:lstStyle/>
-          <a:p>
-            <a:pPr algn="ctr"/>
-            <a:r>
-              <a:rPr lang="da-DK" dirty="0"/>
-              <a:t>Service</a:t>
-            </a:r>
-            <a:endParaRPr lang="en-DK" dirty="0"/>
-          </a:p>
-        </p:txBody>
-      </p:sp>
-      <p:sp>
-        <p:nvSpPr>
-          <p:cNvPr id="7" name="Rectangle 6">
-            <a:extLst>
-              <a:ext uri="{FF2B5EF4-FFF2-40B4-BE49-F238E27FC236}">
-                <a16:creationId xmlns:a16="http://schemas.microsoft.com/office/drawing/2014/main" id="{EE6FE97C-624D-4191-A1A9-EFE09082E94A}"/>
-              </a:ext>
-            </a:extLst>
-          </p:cNvPr>
-          <p:cNvSpPr/>
-          <p:nvPr/>
-        </p:nvSpPr>
-        <p:spPr>
-          <a:xfrm>
-            <a:off x="4412609" y="3429013"/>
-            <a:ext cx="2013358" cy="1151382"/>
-          </a:xfrm>
-          <a:prstGeom prst="rect">
-            <a:avLst/>
-          </a:prstGeom>
-        </p:spPr>
-        <p:style>
-          <a:lnRef idx="2">
-            <a:schemeClr val="accent1">
-              <a:shade val="50000"/>
-            </a:schemeClr>
-          </a:lnRef>
-          <a:fillRef idx="1">
-            <a:schemeClr val="accent1"/>
-          </a:fillRef>
-          <a:effectRef idx="0">
-            <a:schemeClr val="accent1"/>
-          </a:effectRef>
-          <a:fontRef idx="minor">
-            <a:schemeClr val="lt1"/>
-          </a:fontRef>
-        </p:style>
-        <p:txBody>
-          <a:bodyPr rtlCol="0" anchor="ctr"/>
-          <a:lstStyle/>
-          <a:p>
-            <a:pPr algn="ctr"/>
-            <a:r>
-              <a:rPr lang="da-DK" dirty="0"/>
-              <a:t>Controller</a:t>
-            </a:r>
-            <a:endParaRPr lang="en-DK" dirty="0"/>
-          </a:p>
-        </p:txBody>
-      </p:sp>
-      <p:cxnSp>
-        <p:nvCxnSpPr>
-          <p:cNvPr id="9" name="Straight Arrow Connector 8">
-            <a:extLst>
-              <a:ext uri="{FF2B5EF4-FFF2-40B4-BE49-F238E27FC236}">
-                <a16:creationId xmlns:a16="http://schemas.microsoft.com/office/drawing/2014/main" id="{3D3C9572-BBFD-49B4-A28F-FEAF5512EDF2}"/>
-              </a:ext>
-            </a:extLst>
-          </p:cNvPr>
-          <p:cNvCxnSpPr/>
-          <p:nvPr/>
-        </p:nvCxnSpPr>
-        <p:spPr>
-          <a:xfrm>
-            <a:off x="6551802" y="3775059"/>
-            <a:ext cx="1468073" cy="0"/>
-          </a:xfrm>
-          <a:prstGeom prst="straightConnector1">
-            <a:avLst/>
-          </a:prstGeom>
-          <a:ln>
-            <a:tailEnd type="triangle"/>
-          </a:ln>
-        </p:spPr>
-        <p:style>
-          <a:lnRef idx="1">
-            <a:schemeClr val="accent1"/>
-          </a:lnRef>
-          <a:fillRef idx="0">
-            <a:schemeClr val="accent1"/>
-          </a:fillRef>
-          <a:effectRef idx="0">
-            <a:schemeClr val="accent1"/>
-          </a:effectRef>
-          <a:fontRef idx="minor">
-            <a:schemeClr val="tx1"/>
-          </a:fontRef>
-        </p:style>
-      </p:cxnSp>
-      <p:sp>
-        <p:nvSpPr>
-          <p:cNvPr id="10" name="Rectangle 9">
-            <a:extLst>
-              <a:ext uri="{FF2B5EF4-FFF2-40B4-BE49-F238E27FC236}">
-                <a16:creationId xmlns:a16="http://schemas.microsoft.com/office/drawing/2014/main" id="{43A90244-85CA-485D-9CB5-7F58C0F121B9}"/>
-              </a:ext>
-            </a:extLst>
-          </p:cNvPr>
-          <p:cNvSpPr/>
-          <p:nvPr/>
-        </p:nvSpPr>
-        <p:spPr>
-          <a:xfrm>
-            <a:off x="8204433" y="3429000"/>
-            <a:ext cx="2080470" cy="1151389"/>
-          </a:xfrm>
-          <a:prstGeom prst="rect">
-            <a:avLst/>
-          </a:prstGeom>
-        </p:spPr>
-        <p:style>
-          <a:lnRef idx="2">
-            <a:schemeClr val="accent1">
-              <a:shade val="50000"/>
-            </a:schemeClr>
-          </a:lnRef>
-          <a:fillRef idx="1">
-            <a:schemeClr val="accent1"/>
-          </a:fillRef>
-          <a:effectRef idx="0">
-            <a:schemeClr val="accent1"/>
-          </a:effectRef>
-          <a:fontRef idx="minor">
-            <a:schemeClr val="lt1"/>
-          </a:fontRef>
-        </p:style>
-        <p:txBody>
-          <a:bodyPr rtlCol="0" anchor="ctr"/>
-          <a:lstStyle/>
-          <a:p>
-            <a:pPr algn="ctr"/>
-            <a:r>
-              <a:rPr lang="da-DK" dirty="0"/>
-              <a:t>GUI</a:t>
-            </a:r>
-            <a:endParaRPr lang="en-DK" dirty="0"/>
-          </a:p>
-        </p:txBody>
-      </p:sp>
-      <p:sp>
-        <p:nvSpPr>
-          <p:cNvPr id="11" name="TextBox 10">
-            <a:extLst>
-              <a:ext uri="{FF2B5EF4-FFF2-40B4-BE49-F238E27FC236}">
-                <a16:creationId xmlns:a16="http://schemas.microsoft.com/office/drawing/2014/main" id="{EB0EE1EC-621A-4797-810A-8DFA5ECE9AAF}"/>
-              </a:ext>
-            </a:extLst>
-          </p:cNvPr>
-          <p:cNvSpPr txBox="1"/>
-          <p:nvPr/>
-        </p:nvSpPr>
-        <p:spPr>
-          <a:xfrm>
-            <a:off x="6678872" y="3429000"/>
-            <a:ext cx="1235659" cy="369332"/>
-          </a:xfrm>
-          <a:prstGeom prst="rect">
-            <a:avLst/>
-          </a:prstGeom>
-          <a:noFill/>
-        </p:spPr>
-        <p:txBody>
-          <a:bodyPr wrap="none" rtlCol="0">
-            <a:spAutoFit/>
-          </a:bodyPr>
-          <a:lstStyle/>
-          <a:p>
-            <a:r>
-              <a:rPr lang="da-DK" dirty="0"/>
-              <a:t>Data : Page</a:t>
-            </a:r>
-            <a:endParaRPr lang="en-DK" dirty="0"/>
-          </a:p>
-        </p:txBody>
-      </p:sp>
-      <p:cxnSp>
-        <p:nvCxnSpPr>
-          <p:cNvPr id="13" name="Straight Arrow Connector 12">
-            <a:extLst>
-              <a:ext uri="{FF2B5EF4-FFF2-40B4-BE49-F238E27FC236}">
-                <a16:creationId xmlns:a16="http://schemas.microsoft.com/office/drawing/2014/main" id="{9719F79D-D6E8-490E-988F-A20F7033E92F}"/>
-              </a:ext>
-            </a:extLst>
-          </p:cNvPr>
-          <p:cNvCxnSpPr/>
-          <p:nvPr/>
-        </p:nvCxnSpPr>
-        <p:spPr>
-          <a:xfrm flipH="1">
-            <a:off x="6551802" y="4270009"/>
-            <a:ext cx="1468073" cy="0"/>
-          </a:xfrm>
-          <a:prstGeom prst="straightConnector1">
-            <a:avLst/>
-          </a:prstGeom>
-          <a:ln>
-            <a:tailEnd type="triangle"/>
-          </a:ln>
-        </p:spPr>
-        <p:style>
-          <a:lnRef idx="1">
-            <a:schemeClr val="accent1"/>
-          </a:lnRef>
-          <a:fillRef idx="0">
-            <a:schemeClr val="accent1"/>
-          </a:fillRef>
-          <a:effectRef idx="0">
-            <a:schemeClr val="accent1"/>
-          </a:effectRef>
-          <a:fontRef idx="minor">
-            <a:schemeClr val="tx1"/>
-          </a:fontRef>
-        </p:style>
-      </p:cxnSp>
-      <p:sp>
-        <p:nvSpPr>
-          <p:cNvPr id="14" name="TextBox 13">
-            <a:extLst>
-              <a:ext uri="{FF2B5EF4-FFF2-40B4-BE49-F238E27FC236}">
-                <a16:creationId xmlns:a16="http://schemas.microsoft.com/office/drawing/2014/main" id="{5C72B76C-F27A-4FE3-AE56-3476359AE4EC}"/>
-              </a:ext>
-            </a:extLst>
-          </p:cNvPr>
-          <p:cNvSpPr txBox="1"/>
-          <p:nvPr/>
-        </p:nvSpPr>
-        <p:spPr>
-          <a:xfrm>
-            <a:off x="6678872" y="3900677"/>
-            <a:ext cx="1235659" cy="369332"/>
-          </a:xfrm>
-          <a:prstGeom prst="rect">
-            <a:avLst/>
-          </a:prstGeom>
-          <a:noFill/>
-        </p:spPr>
-        <p:txBody>
-          <a:bodyPr wrap="none" rtlCol="0">
-            <a:spAutoFit/>
-          </a:bodyPr>
-          <a:lstStyle/>
-          <a:p>
-            <a:r>
-              <a:rPr lang="da-DK" dirty="0"/>
-              <a:t>Data : Page</a:t>
-            </a:r>
-            <a:endParaRPr lang="en-DK" dirty="0"/>
-          </a:p>
-        </p:txBody>
-      </p:sp>
-      <p:cxnSp>
-        <p:nvCxnSpPr>
-          <p:cNvPr id="19" name="Straight Arrow Connector 18">
-            <a:extLst>
-              <a:ext uri="{FF2B5EF4-FFF2-40B4-BE49-F238E27FC236}">
-                <a16:creationId xmlns:a16="http://schemas.microsoft.com/office/drawing/2014/main" id="{588A4B00-D695-46A2-8646-5F85B239E943}"/>
-              </a:ext>
-            </a:extLst>
-          </p:cNvPr>
-          <p:cNvCxnSpPr/>
-          <p:nvPr/>
-        </p:nvCxnSpPr>
-        <p:spPr>
-          <a:xfrm>
-            <a:off x="3171038" y="4004694"/>
-            <a:ext cx="1015068" cy="0"/>
-          </a:xfrm>
-          <a:prstGeom prst="straightConnector1">
-            <a:avLst/>
-          </a:prstGeom>
-          <a:ln>
-            <a:headEnd type="triangle"/>
-            <a:tailEnd type="triangle"/>
-          </a:ln>
-        </p:spPr>
-        <p:style>
-          <a:lnRef idx="1">
-            <a:schemeClr val="accent1"/>
-          </a:lnRef>
-          <a:fillRef idx="0">
-            <a:schemeClr val="accent1"/>
-          </a:fillRef>
-          <a:effectRef idx="0">
-            <a:schemeClr val="accent1"/>
-          </a:effectRef>
-          <a:fontRef idx="minor">
-            <a:schemeClr val="tx1"/>
-          </a:fontRef>
-        </p:style>
-      </p:cxnSp>
+      </p:pic>
     </p:spTree>
     <p:extLst>
       <p:ext uri="{BB962C8B-B14F-4D97-AF65-F5344CB8AC3E}">
-        <p14:creationId xmlns:p14="http://schemas.microsoft.com/office/powerpoint/2010/main" val="4018033612"/>
+        <p14:creationId xmlns:p14="http://schemas.microsoft.com/office/powerpoint/2010/main" val="801289052"/>
       </p:ext>
     </p:extLst>
   </p:cSld>
@@ -5046,6 +4953,803 @@
       </p:grpSpPr>
       <p:sp>
         <p:nvSpPr>
+          <p:cNvPr id="4" name="Rectangle 3">
+            <a:extLst>
+              <a:ext uri="{FF2B5EF4-FFF2-40B4-BE49-F238E27FC236}">
+                <a16:creationId xmlns:a16="http://schemas.microsoft.com/office/drawing/2014/main" id="{F4F5D4DF-82F3-4E6E-A531-97B4521E5A89}"/>
+              </a:ext>
+            </a:extLst>
+          </p:cNvPr>
+          <p:cNvSpPr/>
+          <p:nvPr/>
+        </p:nvSpPr>
+        <p:spPr>
+          <a:xfrm>
+            <a:off x="7228387" y="1892808"/>
+            <a:ext cx="914400" cy="914400"/>
+          </a:xfrm>
+          <a:prstGeom prst="rect">
+            <a:avLst/>
+          </a:prstGeom>
+        </p:spPr>
+        <p:style>
+          <a:lnRef idx="2">
+            <a:schemeClr val="accent1">
+              <a:shade val="50000"/>
+            </a:schemeClr>
+          </a:lnRef>
+          <a:fillRef idx="1">
+            <a:schemeClr val="accent1"/>
+          </a:fillRef>
+          <a:effectRef idx="0">
+            <a:schemeClr val="accent1"/>
+          </a:effectRef>
+          <a:fontRef idx="minor">
+            <a:schemeClr val="lt1"/>
+          </a:fontRef>
+        </p:style>
+        <p:txBody>
+          <a:bodyPr rtlCol="0" anchor="ctr"/>
+          <a:lstStyle/>
+          <a:p>
+            <a:pPr algn="ctr"/>
+            <a:r>
+              <a:rPr lang="da-DK" dirty="0"/>
+              <a:t>MVC</a:t>
+            </a:r>
+            <a:endParaRPr lang="en-DK" dirty="0"/>
+          </a:p>
+        </p:txBody>
+      </p:sp>
+      <p:sp>
+        <p:nvSpPr>
+          <p:cNvPr id="5" name="Rectangle 4">
+            <a:extLst>
+              <a:ext uri="{FF2B5EF4-FFF2-40B4-BE49-F238E27FC236}">
+                <a16:creationId xmlns:a16="http://schemas.microsoft.com/office/drawing/2014/main" id="{5F2BFA1F-77CE-49AB-B92B-DA0FD5A63DC5}"/>
+              </a:ext>
+            </a:extLst>
+          </p:cNvPr>
+          <p:cNvSpPr/>
+          <p:nvPr/>
+        </p:nvSpPr>
+        <p:spPr>
+          <a:xfrm>
+            <a:off x="3691827" y="3677259"/>
+            <a:ext cx="1937857" cy="914400"/>
+          </a:xfrm>
+          <a:prstGeom prst="rect">
+            <a:avLst/>
+          </a:prstGeom>
+        </p:spPr>
+        <p:style>
+          <a:lnRef idx="2">
+            <a:schemeClr val="accent1">
+              <a:shade val="50000"/>
+            </a:schemeClr>
+          </a:lnRef>
+          <a:fillRef idx="1">
+            <a:schemeClr val="accent1"/>
+          </a:fillRef>
+          <a:effectRef idx="0">
+            <a:schemeClr val="accent1"/>
+          </a:effectRef>
+          <a:fontRef idx="minor">
+            <a:schemeClr val="lt1"/>
+          </a:fontRef>
+        </p:style>
+        <p:txBody>
+          <a:bodyPr rtlCol="0" anchor="ctr"/>
+          <a:lstStyle/>
+          <a:p>
+            <a:pPr algn="ctr"/>
+            <a:r>
+              <a:rPr lang="da-DK" dirty="0"/>
+              <a:t>Thread Pool/</a:t>
+            </a:r>
+          </a:p>
+          <a:p>
+            <a:pPr algn="ctr"/>
+            <a:r>
+              <a:rPr lang="da-DK" dirty="0" err="1"/>
+              <a:t>Semaphore</a:t>
+            </a:r>
+            <a:endParaRPr lang="en-DK" dirty="0"/>
+          </a:p>
+        </p:txBody>
+      </p:sp>
+      <p:sp>
+        <p:nvSpPr>
+          <p:cNvPr id="6" name="Rectangle 5">
+            <a:extLst>
+              <a:ext uri="{FF2B5EF4-FFF2-40B4-BE49-F238E27FC236}">
+                <a16:creationId xmlns:a16="http://schemas.microsoft.com/office/drawing/2014/main" id="{DFFF22AF-9430-4122-978E-AA72BBB2E7A3}"/>
+              </a:ext>
+            </a:extLst>
+          </p:cNvPr>
+          <p:cNvSpPr/>
+          <p:nvPr/>
+        </p:nvSpPr>
+        <p:spPr>
+          <a:xfrm>
+            <a:off x="4203556" y="1173452"/>
+            <a:ext cx="914400" cy="914400"/>
+          </a:xfrm>
+          <a:prstGeom prst="rect">
+            <a:avLst/>
+          </a:prstGeom>
+        </p:spPr>
+        <p:style>
+          <a:lnRef idx="2">
+            <a:schemeClr val="accent1">
+              <a:shade val="50000"/>
+            </a:schemeClr>
+          </a:lnRef>
+          <a:fillRef idx="1">
+            <a:schemeClr val="accent1"/>
+          </a:fillRef>
+          <a:effectRef idx="0">
+            <a:schemeClr val="accent1"/>
+          </a:effectRef>
+          <a:fontRef idx="minor">
+            <a:schemeClr val="lt1"/>
+          </a:fontRef>
+        </p:style>
+        <p:txBody>
+          <a:bodyPr rtlCol="0" anchor="ctr"/>
+          <a:lstStyle/>
+          <a:p>
+            <a:pPr algn="ctr"/>
+            <a:r>
+              <a:rPr lang="da-DK" dirty="0"/>
+              <a:t>Kø</a:t>
+            </a:r>
+            <a:endParaRPr lang="en-DK" dirty="0"/>
+          </a:p>
+        </p:txBody>
+      </p:sp>
+      <p:cxnSp>
+        <p:nvCxnSpPr>
+          <p:cNvPr id="8" name="Straight Arrow Connector 7" descr="&#10;">
+            <a:extLst>
+              <a:ext uri="{FF2B5EF4-FFF2-40B4-BE49-F238E27FC236}">
+                <a16:creationId xmlns:a16="http://schemas.microsoft.com/office/drawing/2014/main" id="{D3770E86-330B-445B-BD05-AD2238BC48E8}"/>
+              </a:ext>
+            </a:extLst>
+          </p:cNvPr>
+          <p:cNvCxnSpPr>
+            <a:cxnSpLocks/>
+            <a:stCxn id="4" idx="1"/>
+          </p:cNvCxnSpPr>
+          <p:nvPr/>
+        </p:nvCxnSpPr>
+        <p:spPr>
+          <a:xfrm flipH="1" flipV="1">
+            <a:off x="5117956" y="1743903"/>
+            <a:ext cx="2110431" cy="606105"/>
+          </a:xfrm>
+          <a:prstGeom prst="straightConnector1">
+            <a:avLst/>
+          </a:prstGeom>
+          <a:ln>
+            <a:headEnd type="triangle"/>
+            <a:tailEnd type="triangle"/>
+          </a:ln>
+        </p:spPr>
+        <p:style>
+          <a:lnRef idx="1">
+            <a:schemeClr val="accent1"/>
+          </a:lnRef>
+          <a:fillRef idx="0">
+            <a:schemeClr val="accent1"/>
+          </a:fillRef>
+          <a:effectRef idx="0">
+            <a:schemeClr val="accent1"/>
+          </a:effectRef>
+          <a:fontRef idx="minor">
+            <a:schemeClr val="tx1"/>
+          </a:fontRef>
+        </p:style>
+      </p:cxnSp>
+      <p:sp>
+        <p:nvSpPr>
+          <p:cNvPr id="10" name="TextBox 9">
+            <a:extLst>
+              <a:ext uri="{FF2B5EF4-FFF2-40B4-BE49-F238E27FC236}">
+                <a16:creationId xmlns:a16="http://schemas.microsoft.com/office/drawing/2014/main" id="{1DCAE7F6-45DA-49DF-8B9F-7DF24943E6AE}"/>
+              </a:ext>
+            </a:extLst>
+          </p:cNvPr>
+          <p:cNvSpPr txBox="1"/>
+          <p:nvPr/>
+        </p:nvSpPr>
+        <p:spPr>
+          <a:xfrm>
+            <a:off x="5315921" y="1445986"/>
+            <a:ext cx="1714500" cy="369332"/>
+          </a:xfrm>
+          <a:prstGeom prst="rect">
+            <a:avLst/>
+          </a:prstGeom>
+          <a:noFill/>
+        </p:spPr>
+        <p:txBody>
+          <a:bodyPr wrap="square" rtlCol="0">
+            <a:spAutoFit/>
+          </a:bodyPr>
+          <a:lstStyle/>
+          <a:p>
+            <a:r>
+              <a:rPr lang="da-DK" dirty="0"/>
+              <a:t>Læs/Clear/Push</a:t>
+            </a:r>
+            <a:endParaRPr lang="en-DK" dirty="0"/>
+          </a:p>
+        </p:txBody>
+      </p:sp>
+      <p:cxnSp>
+        <p:nvCxnSpPr>
+          <p:cNvPr id="12" name="Straight Arrow Connector 11">
+            <a:extLst>
+              <a:ext uri="{FF2B5EF4-FFF2-40B4-BE49-F238E27FC236}">
+                <a16:creationId xmlns:a16="http://schemas.microsoft.com/office/drawing/2014/main" id="{29D19CEC-4375-4411-BD9E-4F9815BEAD23}"/>
+              </a:ext>
+            </a:extLst>
+          </p:cNvPr>
+          <p:cNvCxnSpPr>
+            <a:cxnSpLocks/>
+          </p:cNvCxnSpPr>
+          <p:nvPr/>
+        </p:nvCxnSpPr>
+        <p:spPr>
+          <a:xfrm flipH="1">
+            <a:off x="5629685" y="2647925"/>
+            <a:ext cx="1598702" cy="1165123"/>
+          </a:xfrm>
+          <a:prstGeom prst="straightConnector1">
+            <a:avLst/>
+          </a:prstGeom>
+          <a:ln>
+            <a:headEnd type="triangle"/>
+            <a:tailEnd type="triangle"/>
+          </a:ln>
+        </p:spPr>
+        <p:style>
+          <a:lnRef idx="1">
+            <a:schemeClr val="accent1"/>
+          </a:lnRef>
+          <a:fillRef idx="0">
+            <a:schemeClr val="accent1"/>
+          </a:fillRef>
+          <a:effectRef idx="0">
+            <a:schemeClr val="accent1"/>
+          </a:effectRef>
+          <a:fontRef idx="minor">
+            <a:schemeClr val="tx1"/>
+          </a:fontRef>
+        </p:style>
+      </p:cxnSp>
+      <p:sp>
+        <p:nvSpPr>
+          <p:cNvPr id="14" name="TextBox 13">
+            <a:extLst>
+              <a:ext uri="{FF2B5EF4-FFF2-40B4-BE49-F238E27FC236}">
+                <a16:creationId xmlns:a16="http://schemas.microsoft.com/office/drawing/2014/main" id="{9DC9323C-5442-4DCD-9DCE-365A970B166F}"/>
+              </a:ext>
+            </a:extLst>
+          </p:cNvPr>
+          <p:cNvSpPr txBox="1"/>
+          <p:nvPr/>
+        </p:nvSpPr>
+        <p:spPr>
+          <a:xfrm>
+            <a:off x="6165692" y="3368964"/>
+            <a:ext cx="2125390" cy="369332"/>
+          </a:xfrm>
+          <a:prstGeom prst="rect">
+            <a:avLst/>
+          </a:prstGeom>
+          <a:noFill/>
+        </p:spPr>
+        <p:txBody>
+          <a:bodyPr wrap="none" rtlCol="0">
+            <a:spAutoFit/>
+          </a:bodyPr>
+          <a:lstStyle/>
+          <a:p>
+            <a:r>
+              <a:rPr lang="da-DK" dirty="0"/>
+              <a:t>Læs/</a:t>
+            </a:r>
+            <a:r>
+              <a:rPr lang="da-DK" dirty="0" err="1"/>
+              <a:t>Start,Sluk</a:t>
+            </a:r>
+            <a:r>
+              <a:rPr lang="da-DK" dirty="0"/>
+              <a:t> bælte</a:t>
+            </a:r>
+            <a:endParaRPr lang="en-DK" dirty="0"/>
+          </a:p>
+        </p:txBody>
+      </p:sp>
+      <p:cxnSp>
+        <p:nvCxnSpPr>
+          <p:cNvPr id="16" name="Straight Arrow Connector 15">
+            <a:extLst>
+              <a:ext uri="{FF2B5EF4-FFF2-40B4-BE49-F238E27FC236}">
+                <a16:creationId xmlns:a16="http://schemas.microsoft.com/office/drawing/2014/main" id="{EEE2107E-ACBB-4399-8544-41ECE8827CB9}"/>
+              </a:ext>
+            </a:extLst>
+          </p:cNvPr>
+          <p:cNvCxnSpPr/>
+          <p:nvPr/>
+        </p:nvCxnSpPr>
+        <p:spPr>
+          <a:xfrm>
+            <a:off x="4462272" y="2046955"/>
+            <a:ext cx="0" cy="1630304"/>
+          </a:xfrm>
+          <a:prstGeom prst="straightConnector1">
+            <a:avLst/>
+          </a:prstGeom>
+          <a:ln>
+            <a:headEnd type="triangle"/>
+            <a:tailEnd type="triangle"/>
+          </a:ln>
+        </p:spPr>
+        <p:style>
+          <a:lnRef idx="1">
+            <a:schemeClr val="accent1"/>
+          </a:lnRef>
+          <a:fillRef idx="0">
+            <a:schemeClr val="accent1"/>
+          </a:fillRef>
+          <a:effectRef idx="0">
+            <a:schemeClr val="accent1"/>
+          </a:effectRef>
+          <a:fontRef idx="minor">
+            <a:schemeClr val="tx1"/>
+          </a:fontRef>
+        </p:style>
+      </p:cxnSp>
+      <p:sp>
+        <p:nvSpPr>
+          <p:cNvPr id="17" name="TextBox 16">
+            <a:extLst>
+              <a:ext uri="{FF2B5EF4-FFF2-40B4-BE49-F238E27FC236}">
+                <a16:creationId xmlns:a16="http://schemas.microsoft.com/office/drawing/2014/main" id="{F26CFB31-2C08-4898-8082-F2FB16B25F7E}"/>
+              </a:ext>
+            </a:extLst>
+          </p:cNvPr>
+          <p:cNvSpPr txBox="1"/>
+          <p:nvPr/>
+        </p:nvSpPr>
+        <p:spPr>
+          <a:xfrm>
+            <a:off x="4505413" y="2651396"/>
+            <a:ext cx="1081130" cy="369332"/>
+          </a:xfrm>
+          <a:prstGeom prst="rect">
+            <a:avLst/>
+          </a:prstGeom>
+          <a:noFill/>
+        </p:spPr>
+        <p:txBody>
+          <a:bodyPr wrap="none" rtlCol="0">
+            <a:spAutoFit/>
+          </a:bodyPr>
+          <a:lstStyle/>
+          <a:p>
+            <a:r>
+              <a:rPr lang="da-DK" dirty="0" err="1"/>
+              <a:t>Peek</a:t>
+            </a:r>
+            <a:r>
+              <a:rPr lang="da-DK" dirty="0"/>
+              <a:t>/Pop</a:t>
+            </a:r>
+            <a:endParaRPr lang="en-DK" dirty="0"/>
+          </a:p>
+        </p:txBody>
+      </p:sp>
+      <p:sp>
+        <p:nvSpPr>
+          <p:cNvPr id="18" name="Rectangle 17">
+            <a:extLst>
+              <a:ext uri="{FF2B5EF4-FFF2-40B4-BE49-F238E27FC236}">
+                <a16:creationId xmlns:a16="http://schemas.microsoft.com/office/drawing/2014/main" id="{1DC1F0C3-ED29-4E10-8448-7B56EBA769AD}"/>
+              </a:ext>
+            </a:extLst>
+          </p:cNvPr>
+          <p:cNvSpPr/>
+          <p:nvPr/>
+        </p:nvSpPr>
+        <p:spPr>
+          <a:xfrm>
+            <a:off x="441822" y="2190725"/>
+            <a:ext cx="1572768" cy="914400"/>
+          </a:xfrm>
+          <a:prstGeom prst="rect">
+            <a:avLst/>
+          </a:prstGeom>
+        </p:spPr>
+        <p:style>
+          <a:lnRef idx="2">
+            <a:schemeClr val="accent1">
+              <a:shade val="50000"/>
+            </a:schemeClr>
+          </a:lnRef>
+          <a:fillRef idx="1">
+            <a:schemeClr val="accent1"/>
+          </a:fillRef>
+          <a:effectRef idx="0">
+            <a:schemeClr val="accent1"/>
+          </a:effectRef>
+          <a:fontRef idx="minor">
+            <a:schemeClr val="lt1"/>
+          </a:fontRef>
+        </p:style>
+        <p:txBody>
+          <a:bodyPr rtlCol="0" anchor="ctr"/>
+          <a:lstStyle/>
+          <a:p>
+            <a:pPr algn="ctr"/>
+            <a:r>
+              <a:rPr lang="da-DK" dirty="0" err="1"/>
+              <a:t>Webserver</a:t>
+            </a:r>
+            <a:endParaRPr lang="en-DK" dirty="0"/>
+          </a:p>
+        </p:txBody>
+      </p:sp>
+      <p:cxnSp>
+        <p:nvCxnSpPr>
+          <p:cNvPr id="20" name="Straight Arrow Connector 19">
+            <a:extLst>
+              <a:ext uri="{FF2B5EF4-FFF2-40B4-BE49-F238E27FC236}">
+                <a16:creationId xmlns:a16="http://schemas.microsoft.com/office/drawing/2014/main" id="{76141DF8-A0C3-4A0D-99D6-7EC336695F22}"/>
+              </a:ext>
+            </a:extLst>
+          </p:cNvPr>
+          <p:cNvCxnSpPr>
+            <a:stCxn id="18" idx="3"/>
+            <a:endCxn id="6" idx="1"/>
+          </p:cNvCxnSpPr>
+          <p:nvPr/>
+        </p:nvCxnSpPr>
+        <p:spPr>
+          <a:xfrm flipV="1">
+            <a:off x="2014590" y="1630652"/>
+            <a:ext cx="2188966" cy="1017273"/>
+          </a:xfrm>
+          <a:prstGeom prst="straightConnector1">
+            <a:avLst/>
+          </a:prstGeom>
+          <a:ln>
+            <a:tailEnd type="triangle"/>
+          </a:ln>
+        </p:spPr>
+        <p:style>
+          <a:lnRef idx="1">
+            <a:schemeClr val="accent1"/>
+          </a:lnRef>
+          <a:fillRef idx="0">
+            <a:schemeClr val="accent1"/>
+          </a:fillRef>
+          <a:effectRef idx="0">
+            <a:schemeClr val="accent1"/>
+          </a:effectRef>
+          <a:fontRef idx="minor">
+            <a:schemeClr val="tx1"/>
+          </a:fontRef>
+        </p:style>
+      </p:cxnSp>
+      <p:cxnSp>
+        <p:nvCxnSpPr>
+          <p:cNvPr id="22" name="Straight Arrow Connector 21">
+            <a:extLst>
+              <a:ext uri="{FF2B5EF4-FFF2-40B4-BE49-F238E27FC236}">
+                <a16:creationId xmlns:a16="http://schemas.microsoft.com/office/drawing/2014/main" id="{02F7EF2E-ABFF-4BEF-AC43-BFC10DCFDCCC}"/>
+              </a:ext>
+            </a:extLst>
+          </p:cNvPr>
+          <p:cNvCxnSpPr>
+            <a:stCxn id="18" idx="3"/>
+            <a:endCxn id="5" idx="1"/>
+          </p:cNvCxnSpPr>
+          <p:nvPr/>
+        </p:nvCxnSpPr>
+        <p:spPr>
+          <a:xfrm>
+            <a:off x="2014590" y="2647925"/>
+            <a:ext cx="1677237" cy="1486534"/>
+          </a:xfrm>
+          <a:prstGeom prst="straightConnector1">
+            <a:avLst/>
+          </a:prstGeom>
+          <a:ln>
+            <a:tailEnd type="triangle"/>
+          </a:ln>
+        </p:spPr>
+        <p:style>
+          <a:lnRef idx="1">
+            <a:schemeClr val="accent1"/>
+          </a:lnRef>
+          <a:fillRef idx="0">
+            <a:schemeClr val="accent1"/>
+          </a:fillRef>
+          <a:effectRef idx="0">
+            <a:schemeClr val="accent1"/>
+          </a:effectRef>
+          <a:fontRef idx="minor">
+            <a:schemeClr val="tx1"/>
+          </a:fontRef>
+        </p:style>
+      </p:cxnSp>
+      <p:sp>
+        <p:nvSpPr>
+          <p:cNvPr id="25" name="TextBox 24">
+            <a:extLst>
+              <a:ext uri="{FF2B5EF4-FFF2-40B4-BE49-F238E27FC236}">
+                <a16:creationId xmlns:a16="http://schemas.microsoft.com/office/drawing/2014/main" id="{6A466D78-8C88-419F-A132-03296EA58E1C}"/>
+              </a:ext>
+            </a:extLst>
+          </p:cNvPr>
+          <p:cNvSpPr txBox="1"/>
+          <p:nvPr/>
+        </p:nvSpPr>
+        <p:spPr>
+          <a:xfrm>
+            <a:off x="2619160" y="1577064"/>
+            <a:ext cx="884858" cy="369332"/>
+          </a:xfrm>
+          <a:prstGeom prst="rect">
+            <a:avLst/>
+          </a:prstGeom>
+          <a:noFill/>
+        </p:spPr>
+        <p:txBody>
+          <a:bodyPr wrap="none" rtlCol="0">
+            <a:spAutoFit/>
+          </a:bodyPr>
+          <a:lstStyle/>
+          <a:p>
+            <a:r>
+              <a:rPr lang="da-DK" dirty="0" err="1"/>
+              <a:t>get,size</a:t>
+            </a:r>
+            <a:endParaRPr lang="en-DK" dirty="0"/>
+          </a:p>
+        </p:txBody>
+      </p:sp>
+      <p:sp>
+        <p:nvSpPr>
+          <p:cNvPr id="26" name="Rectangle 25">
+            <a:extLst>
+              <a:ext uri="{FF2B5EF4-FFF2-40B4-BE49-F238E27FC236}">
+                <a16:creationId xmlns:a16="http://schemas.microsoft.com/office/drawing/2014/main" id="{9E6AA628-4865-4D20-95EB-FAE54F22CCCE}"/>
+              </a:ext>
+            </a:extLst>
+          </p:cNvPr>
+          <p:cNvSpPr/>
+          <p:nvPr/>
+        </p:nvSpPr>
+        <p:spPr>
+          <a:xfrm>
+            <a:off x="3572619" y="5140299"/>
+            <a:ext cx="2176272" cy="807414"/>
+          </a:xfrm>
+          <a:prstGeom prst="rect">
+            <a:avLst/>
+          </a:prstGeom>
+        </p:spPr>
+        <p:style>
+          <a:lnRef idx="2">
+            <a:schemeClr val="accent1">
+              <a:shade val="50000"/>
+            </a:schemeClr>
+          </a:lnRef>
+          <a:fillRef idx="1">
+            <a:schemeClr val="accent1"/>
+          </a:fillRef>
+          <a:effectRef idx="0">
+            <a:schemeClr val="accent1"/>
+          </a:effectRef>
+          <a:fontRef idx="minor">
+            <a:schemeClr val="lt1"/>
+          </a:fontRef>
+        </p:style>
+        <p:txBody>
+          <a:bodyPr rtlCol="0" anchor="ctr"/>
+          <a:lstStyle/>
+          <a:p>
+            <a:pPr algn="ctr"/>
+            <a:r>
+              <a:rPr lang="da-DK" dirty="0"/>
+              <a:t>Bælte</a:t>
+            </a:r>
+            <a:endParaRPr lang="en-DK" dirty="0"/>
+          </a:p>
+        </p:txBody>
+      </p:sp>
+      <p:cxnSp>
+        <p:nvCxnSpPr>
+          <p:cNvPr id="28" name="Straight Arrow Connector 27">
+            <a:extLst>
+              <a:ext uri="{FF2B5EF4-FFF2-40B4-BE49-F238E27FC236}">
+                <a16:creationId xmlns:a16="http://schemas.microsoft.com/office/drawing/2014/main" id="{74D43B93-F349-4067-9FAC-6ABDA267FDDF}"/>
+              </a:ext>
+            </a:extLst>
+          </p:cNvPr>
+          <p:cNvCxnSpPr>
+            <a:stCxn id="5" idx="2"/>
+            <a:endCxn id="26" idx="0"/>
+          </p:cNvCxnSpPr>
+          <p:nvPr/>
+        </p:nvCxnSpPr>
+        <p:spPr>
+          <a:xfrm flipH="1">
+            <a:off x="4660755" y="4591659"/>
+            <a:ext cx="1" cy="548640"/>
+          </a:xfrm>
+          <a:prstGeom prst="straightConnector1">
+            <a:avLst/>
+          </a:prstGeom>
+          <a:ln>
+            <a:headEnd type="triangle"/>
+            <a:tailEnd type="triangle"/>
+          </a:ln>
+        </p:spPr>
+        <p:style>
+          <a:lnRef idx="1">
+            <a:schemeClr val="accent1"/>
+          </a:lnRef>
+          <a:fillRef idx="0">
+            <a:schemeClr val="accent1"/>
+          </a:fillRef>
+          <a:effectRef idx="0">
+            <a:schemeClr val="accent1"/>
+          </a:effectRef>
+          <a:fontRef idx="minor">
+            <a:schemeClr val="tx1"/>
+          </a:fontRef>
+        </p:style>
+      </p:cxnSp>
+      <p:sp>
+        <p:nvSpPr>
+          <p:cNvPr id="30" name="TextBox 29">
+            <a:extLst>
+              <a:ext uri="{FF2B5EF4-FFF2-40B4-BE49-F238E27FC236}">
+                <a16:creationId xmlns:a16="http://schemas.microsoft.com/office/drawing/2014/main" id="{593B94D9-A2CF-4BC0-9395-9F2B6C040A53}"/>
+              </a:ext>
+            </a:extLst>
+          </p:cNvPr>
+          <p:cNvSpPr txBox="1"/>
+          <p:nvPr/>
+        </p:nvSpPr>
+        <p:spPr>
+          <a:xfrm>
+            <a:off x="2853208" y="3135307"/>
+            <a:ext cx="550151" cy="369332"/>
+          </a:xfrm>
+          <a:prstGeom prst="rect">
+            <a:avLst/>
+          </a:prstGeom>
+          <a:noFill/>
+        </p:spPr>
+        <p:txBody>
+          <a:bodyPr wrap="none" rtlCol="0">
+            <a:spAutoFit/>
+          </a:bodyPr>
+          <a:lstStyle/>
+          <a:p>
+            <a:r>
+              <a:rPr lang="da-DK" dirty="0"/>
+              <a:t>Læs</a:t>
+            </a:r>
+            <a:endParaRPr lang="en-DK" dirty="0"/>
+          </a:p>
+        </p:txBody>
+      </p:sp>
+      <p:sp>
+        <p:nvSpPr>
+          <p:cNvPr id="31" name="TextBox 30">
+            <a:extLst>
+              <a:ext uri="{FF2B5EF4-FFF2-40B4-BE49-F238E27FC236}">
+                <a16:creationId xmlns:a16="http://schemas.microsoft.com/office/drawing/2014/main" id="{8F0D6CA1-478A-44BE-9822-B66F94763E55}"/>
+              </a:ext>
+            </a:extLst>
+          </p:cNvPr>
+          <p:cNvSpPr txBox="1"/>
+          <p:nvPr/>
+        </p:nvSpPr>
+        <p:spPr>
+          <a:xfrm>
+            <a:off x="8870231" y="990396"/>
+            <a:ext cx="3035808" cy="1200329"/>
+          </a:xfrm>
+          <a:prstGeom prst="rect">
+            <a:avLst/>
+          </a:prstGeom>
+          <a:noFill/>
+        </p:spPr>
+        <p:txBody>
+          <a:bodyPr wrap="square" rtlCol="0">
+            <a:spAutoFit/>
+          </a:bodyPr>
+          <a:lstStyle/>
+          <a:p>
+            <a:r>
+              <a:rPr lang="da-DK" b="1" dirty="0"/>
+              <a:t>Genbrugt fra tidligere opgaver</a:t>
+            </a:r>
+          </a:p>
+          <a:p>
+            <a:pPr marL="285750" indent="-285750">
+              <a:buFontTx/>
+              <a:buChar char="-"/>
+            </a:pPr>
+            <a:r>
+              <a:rPr lang="da-DK" dirty="0"/>
+              <a:t>Kø</a:t>
+            </a:r>
+          </a:p>
+          <a:p>
+            <a:pPr marL="285750" indent="-285750">
+              <a:buFontTx/>
+              <a:buChar char="-"/>
+            </a:pPr>
+            <a:r>
+              <a:rPr lang="da-DK" dirty="0"/>
+              <a:t>MVC</a:t>
+            </a:r>
+          </a:p>
+          <a:p>
+            <a:pPr marL="285750" indent="-285750">
+              <a:buFontTx/>
+              <a:buChar char="-"/>
+            </a:pPr>
+            <a:r>
+              <a:rPr lang="da-DK" dirty="0" err="1"/>
+              <a:t>Webserver</a:t>
+            </a:r>
+            <a:endParaRPr lang="da-DK" dirty="0"/>
+          </a:p>
+        </p:txBody>
+      </p:sp>
+    </p:spTree>
+    <p:extLst>
+      <p:ext uri="{BB962C8B-B14F-4D97-AF65-F5344CB8AC3E}">
+        <p14:creationId xmlns:p14="http://schemas.microsoft.com/office/powerpoint/2010/main" val="494107590"/>
+      </p:ext>
+    </p:extLst>
+  </p:cSld>
+  <p:clrMapOvr>
+    <a:masterClrMapping/>
+  </p:clrMapOvr>
+</p:sld>
+</file>
+
+<file path=ppt/slides/slide5.xml><?xml version="1.0" encoding="utf-8"?>
+<p:sld xmlns:a="http://schemas.openxmlformats.org/drawingml/2006/main" xmlns:r="http://schemas.openxmlformats.org/officeDocument/2006/relationships" xmlns:p="http://schemas.openxmlformats.org/presentationml/2006/main">
+  <p:cSld>
+    <p:spTree>
+      <p:nvGrpSpPr>
+        <p:cNvPr id="1" name=""/>
+        <p:cNvGrpSpPr/>
+        <p:nvPr/>
+      </p:nvGrpSpPr>
+      <p:grpSpPr>
+        <a:xfrm>
+          <a:off x="0" y="0"/>
+          <a:ext cx="0" cy="0"/>
+          <a:chOff x="0" y="0"/>
+          <a:chExt cx="0" cy="0"/>
+        </a:xfrm>
+      </p:grpSpPr>
+      <p:sp>
+        <p:nvSpPr>
           <p:cNvPr id="2" name="Title 1">
             <a:extLst>
               <a:ext uri="{FF2B5EF4-FFF2-40B4-BE49-F238E27FC236}">
@@ -5105,7 +5809,13 @@
           <a:p>
             <a:r>
               <a:rPr lang="da-DK" dirty="0"/>
-              <a:t>Når der er valgt at et hjul skal produceres bliver det tilføjet til vores FIFO kø (som vi tidligere har lavet). Vores produktions bælter tager så et hjul ud af køen og producere dette.</a:t>
+              <a:t>Når der er valgt at et hjul skal produceres bliver det tilføjet til vores FIFO kø (som vi tidligere har lavet). Vores produktions pool tager så et hjul ud af køen og sender det til et bælte som </a:t>
+            </a:r>
+          </a:p>
+          <a:p>
+            <a:r>
+              <a:rPr lang="da-DK" dirty="0"/>
+              <a:t>producere dette.</a:t>
             </a:r>
           </a:p>
           <a:p>
@@ -5126,7 +5836,7 @@
 </p:sld>
 </file>
 
-<file path=ppt/slides/slide5.xml><?xml version="1.0" encoding="utf-8"?>
+<file path=ppt/slides/slide6.xml><?xml version="1.0" encoding="utf-8"?>
 <p:sld xmlns:a="http://schemas.openxmlformats.org/drawingml/2006/main" xmlns:r="http://schemas.openxmlformats.org/officeDocument/2006/relationships" xmlns:p="http://schemas.openxmlformats.org/presentationml/2006/main">
   <p:cSld>
     <p:spTree>
@@ -5215,7 +5925,7 @@
 </p:sld>
 </file>
 
-<file path=ppt/slides/slide6.xml><?xml version="1.0" encoding="utf-8"?>
+<file path=ppt/slides/slide7.xml><?xml version="1.0" encoding="utf-8"?>
 <p:sld xmlns:a="http://schemas.openxmlformats.org/drawingml/2006/main" xmlns:r="http://schemas.openxmlformats.org/officeDocument/2006/relationships" xmlns:p="http://schemas.openxmlformats.org/presentationml/2006/main">
   <p:cSld>
     <p:spTree>
@@ -5312,7 +6022,7 @@
 </p:sld>
 </file>
 
-<file path=ppt/slides/slide7.xml><?xml version="1.0" encoding="utf-8"?>
+<file path=ppt/slides/slide8.xml><?xml version="1.0" encoding="utf-8"?>
 <p:sld xmlns:a="http://schemas.openxmlformats.org/drawingml/2006/main" xmlns:r="http://schemas.openxmlformats.org/officeDocument/2006/relationships" xmlns:p="http://schemas.openxmlformats.org/presentationml/2006/main">
   <p:cSld>
     <p:spTree>
@@ -5409,7 +6119,7 @@
 </p:sld>
 </file>
 
-<file path=ppt/slides/slide8.xml><?xml version="1.0" encoding="utf-8"?>
+<file path=ppt/slides/slide9.xml><?xml version="1.0" encoding="utf-8"?>
 <p:sld xmlns:a="http://schemas.openxmlformats.org/drawingml/2006/main" xmlns:r="http://schemas.openxmlformats.org/officeDocument/2006/relationships" xmlns:p="http://schemas.openxmlformats.org/presentationml/2006/main">
   <p:cSld>
     <p:spTree>
@@ -5497,256 +6207,6 @@
     <p:extLst>
       <p:ext uri="{BB962C8B-B14F-4D97-AF65-F5344CB8AC3E}">
         <p14:creationId xmlns:p14="http://schemas.microsoft.com/office/powerpoint/2010/main" val="1059232883"/>
-      </p:ext>
-    </p:extLst>
-  </p:cSld>
-  <p:clrMapOvr>
-    <a:masterClrMapping/>
-  </p:clrMapOvr>
-</p:sld>
-</file>
-
-<file path=ppt/slides/slide9.xml><?xml version="1.0" encoding="utf-8"?>
-<p:sld xmlns:a="http://schemas.openxmlformats.org/drawingml/2006/main" xmlns:r="http://schemas.openxmlformats.org/officeDocument/2006/relationships" xmlns:p="http://schemas.openxmlformats.org/presentationml/2006/main">
-  <p:cSld>
-    <p:spTree>
-      <p:nvGrpSpPr>
-        <p:cNvPr id="1" name=""/>
-        <p:cNvGrpSpPr/>
-        <p:nvPr/>
-      </p:nvGrpSpPr>
-      <p:grpSpPr>
-        <a:xfrm>
-          <a:off x="0" y="0"/>
-          <a:ext cx="0" cy="0"/>
-          <a:chOff x="0" y="0"/>
-          <a:chExt cx="0" cy="0"/>
-        </a:xfrm>
-      </p:grpSpPr>
-      <p:sp>
-        <p:nvSpPr>
-          <p:cNvPr id="2" name="Title 1">
-            <a:extLst>
-              <a:ext uri="{FF2B5EF4-FFF2-40B4-BE49-F238E27FC236}">
-                <a16:creationId xmlns:a16="http://schemas.microsoft.com/office/drawing/2014/main" id="{378C8BE0-6417-4D92-A515-F09C36CFAB90}"/>
-              </a:ext>
-            </a:extLst>
-          </p:cNvPr>
-          <p:cNvSpPr>
-            <a:spLocks noGrp="1"/>
-          </p:cNvSpPr>
-          <p:nvPr>
-            <p:ph type="title"/>
-          </p:nvPr>
-        </p:nvSpPr>
-        <p:spPr/>
-        <p:txBody>
-          <a:bodyPr/>
-          <a:lstStyle/>
-          <a:p>
-            <a:r>
-              <a:rPr lang="da-DK" dirty="0"/>
-              <a:t>Beltpool / Belt</a:t>
-            </a:r>
-            <a:endParaRPr lang="en-DK" dirty="0"/>
-          </a:p>
-        </p:txBody>
-      </p:sp>
-      <p:sp>
-        <p:nvSpPr>
-          <p:cNvPr id="3" name="Content Placeholder 2">
-            <a:extLst>
-              <a:ext uri="{FF2B5EF4-FFF2-40B4-BE49-F238E27FC236}">
-                <a16:creationId xmlns:a16="http://schemas.microsoft.com/office/drawing/2014/main" id="{E6160C62-DAF4-468B-B1D4-97A77301D4E1}"/>
-              </a:ext>
-            </a:extLst>
-          </p:cNvPr>
-          <p:cNvSpPr>
-            <a:spLocks noGrp="1"/>
-          </p:cNvSpPr>
-          <p:nvPr>
-            <p:ph idx="1"/>
-          </p:nvPr>
-        </p:nvSpPr>
-        <p:spPr>
-          <a:xfrm>
-            <a:off x="838200" y="1825625"/>
-            <a:ext cx="10515600" cy="982889"/>
-          </a:xfrm>
-        </p:spPr>
-        <p:txBody>
-          <a:bodyPr>
-            <a:normAutofit lnSpcReduction="10000"/>
-          </a:bodyPr>
-          <a:lstStyle/>
-          <a:p>
-            <a:r>
-              <a:rPr lang="da-DK" dirty="0"/>
-              <a:t>Vi bruger interfacet </a:t>
-            </a:r>
-            <a:r>
-              <a:rPr lang="da-DK" dirty="0" err="1"/>
-              <a:t>ThreadHandler</a:t>
-            </a:r>
-            <a:r>
-              <a:rPr lang="da-DK" dirty="0"/>
-              <a:t> til vores Beltpool.</a:t>
-            </a:r>
-          </a:p>
-          <a:p>
-            <a:r>
-              <a:rPr lang="da-DK" dirty="0"/>
-              <a:t>Vi bruger interfacet </a:t>
-            </a:r>
-            <a:r>
-              <a:rPr lang="da-DK" dirty="0" err="1"/>
-              <a:t>BeltInterface</a:t>
-            </a:r>
-            <a:r>
-              <a:rPr lang="da-DK" dirty="0"/>
-              <a:t> til vores Belt.</a:t>
-            </a:r>
-            <a:endParaRPr lang="en-DK" dirty="0"/>
-          </a:p>
-        </p:txBody>
-      </p:sp>
-      <p:pic>
-        <p:nvPicPr>
-          <p:cNvPr id="5" name="Picture 4">
-            <a:extLst>
-              <a:ext uri="{FF2B5EF4-FFF2-40B4-BE49-F238E27FC236}">
-                <a16:creationId xmlns:a16="http://schemas.microsoft.com/office/drawing/2014/main" id="{54F69771-EAE1-4807-BDBF-3C385BBA8BE0}"/>
-              </a:ext>
-            </a:extLst>
-          </p:cNvPr>
-          <p:cNvPicPr>
-            <a:picLocks noChangeAspect="1"/>
-          </p:cNvPicPr>
-          <p:nvPr/>
-        </p:nvPicPr>
-        <p:blipFill>
-          <a:blip r:embed="rId2"/>
-          <a:stretch>
-            <a:fillRect/>
-          </a:stretch>
-        </p:blipFill>
-        <p:spPr>
-          <a:xfrm>
-            <a:off x="971453" y="2991724"/>
-            <a:ext cx="3400425" cy="1524000"/>
-          </a:xfrm>
-          <a:prstGeom prst="rect">
-            <a:avLst/>
-          </a:prstGeom>
-        </p:spPr>
-      </p:pic>
-      <p:pic>
-        <p:nvPicPr>
-          <p:cNvPr id="6" name="Picture 5">
-            <a:extLst>
-              <a:ext uri="{FF2B5EF4-FFF2-40B4-BE49-F238E27FC236}">
-                <a16:creationId xmlns:a16="http://schemas.microsoft.com/office/drawing/2014/main" id="{C75C2F9A-5E28-4852-BB80-9BEF866E2ABE}"/>
-              </a:ext>
-            </a:extLst>
-          </p:cNvPr>
-          <p:cNvPicPr>
-            <a:picLocks noChangeAspect="1"/>
-          </p:cNvPicPr>
-          <p:nvPr/>
-        </p:nvPicPr>
-        <p:blipFill>
-          <a:blip r:embed="rId3"/>
-          <a:stretch>
-            <a:fillRect/>
-          </a:stretch>
-        </p:blipFill>
-        <p:spPr>
-          <a:xfrm>
-            <a:off x="5879063" y="2991724"/>
-            <a:ext cx="2971800" cy="1857375"/>
-          </a:xfrm>
-          <a:prstGeom prst="rect">
-            <a:avLst/>
-          </a:prstGeom>
-        </p:spPr>
-      </p:pic>
-      <p:sp>
-        <p:nvSpPr>
-          <p:cNvPr id="7" name="TextBox 6">
-            <a:extLst>
-              <a:ext uri="{FF2B5EF4-FFF2-40B4-BE49-F238E27FC236}">
-                <a16:creationId xmlns:a16="http://schemas.microsoft.com/office/drawing/2014/main" id="{79E61C34-D406-446C-9BA3-D44287F42A91}"/>
-              </a:ext>
-            </a:extLst>
-          </p:cNvPr>
-          <p:cNvSpPr txBox="1"/>
-          <p:nvPr/>
-        </p:nvSpPr>
-        <p:spPr>
-          <a:xfrm>
-            <a:off x="971453" y="5041783"/>
-            <a:ext cx="7795788" cy="646331"/>
-          </a:xfrm>
-          <a:prstGeom prst="rect">
-            <a:avLst/>
-          </a:prstGeom>
-          <a:noFill/>
-        </p:spPr>
-        <p:txBody>
-          <a:bodyPr wrap="none" rtlCol="0">
-            <a:spAutoFit/>
-          </a:bodyPr>
-          <a:lstStyle/>
-          <a:p>
-            <a:r>
-              <a:rPr lang="da-DK" dirty="0"/>
-              <a:t>Vores bælter kan have forskellige tilstande, det er angivet ved at bruge </a:t>
-            </a:r>
-            <a:r>
-              <a:rPr lang="da-DK" dirty="0" err="1"/>
-              <a:t>BeltState</a:t>
-            </a:r>
-            <a:endParaRPr lang="en-DK" dirty="0"/>
-          </a:p>
-          <a:p>
-            <a:endParaRPr lang="en-DK" dirty="0"/>
-          </a:p>
-        </p:txBody>
-      </p:sp>
-      <p:pic>
-        <p:nvPicPr>
-          <p:cNvPr id="9" name="Picture 8">
-            <a:extLst>
-              <a:ext uri="{FF2B5EF4-FFF2-40B4-BE49-F238E27FC236}">
-                <a16:creationId xmlns:a16="http://schemas.microsoft.com/office/drawing/2014/main" id="{D20B7C5D-0329-4E05-ABE8-85CF0274C7E6}"/>
-              </a:ext>
-            </a:extLst>
-          </p:cNvPr>
-          <p:cNvPicPr>
-            <a:picLocks noChangeAspect="1"/>
-          </p:cNvPicPr>
-          <p:nvPr/>
-        </p:nvPicPr>
-        <p:blipFill>
-          <a:blip r:embed="rId4"/>
-          <a:stretch>
-            <a:fillRect/>
-          </a:stretch>
-        </p:blipFill>
-        <p:spPr>
-          <a:xfrm>
-            <a:off x="3354591" y="5688114"/>
-            <a:ext cx="3838575" cy="619125"/>
-          </a:xfrm>
-          <a:prstGeom prst="rect">
-            <a:avLst/>
-          </a:prstGeom>
-        </p:spPr>
-      </p:pic>
-    </p:spTree>
-    <p:extLst>
-      <p:ext uri="{BB962C8B-B14F-4D97-AF65-F5344CB8AC3E}">
-        <p14:creationId xmlns:p14="http://schemas.microsoft.com/office/powerpoint/2010/main" val="4127225331"/>
       </p:ext>
     </p:extLst>
   </p:cSld>
